--- a/images/explanation.pptx
+++ b/images/explanation.pptx
@@ -115,6 +115,11 @@
       </a:defRPr>
     </a:lvl9pPr>
   </p:defaultTextStyle>
+  <p:extLst>
+    <p:ext uri="{EFAFB233-063F-42B5-8137-9DF3F51BA10A}">
+      <p15:sldGuideLst xmlns:p15="http://schemas.microsoft.com/office/powerpoint/2012/main"/>
+    </p:ext>
+  </p:extLst>
 </p:presentation>
 </file>
 
@@ -5529,74 +5534,6 @@
           </a:p>
         </p:txBody>
       </p:sp>
-      <p:sp>
-        <p:nvSpPr>
-          <p:cNvPr id="33" name="タイトル 1">
-            <a:extLst>
-              <a:ext uri="{FF2B5EF4-FFF2-40B4-BE49-F238E27FC236}">
-                <a16:creationId xmlns:a16="http://schemas.microsoft.com/office/drawing/2014/main" id="{CB1391CC-99DE-094A-BE7B-EF6EB6B30CC9}"/>
-              </a:ext>
-            </a:extLst>
-          </p:cNvPr>
-          <p:cNvSpPr txBox="1">
-            <a:spLocks/>
-          </p:cNvSpPr>
-          <p:nvPr/>
-        </p:nvSpPr>
-        <p:spPr>
-          <a:xfrm>
-            <a:off x="457200" y="0"/>
-            <a:ext cx="8229600" cy="1113747"/>
-          </a:xfrm>
-          <a:prstGeom prst="rect">
-            <a:avLst/>
-          </a:prstGeom>
-        </p:spPr>
-        <p:txBody>
-          <a:bodyPr/>
-          <a:lstStyle>
-            <a:lvl1pPr algn="ctr" defTabSz="457200" rtl="0" eaLnBrk="1" latinLnBrk="0" hangingPunct="1">
-              <a:spcBef>
-                <a:spcPct val="0"/>
-              </a:spcBef>
-              <a:buNone/>
-              <a:defRPr kumimoji="1" sz="4400" kern="1200">
-                <a:solidFill>
-                  <a:schemeClr val="tx1"/>
-                </a:solidFill>
-                <a:latin typeface="+mj-lt"/>
-                <a:ea typeface="+mj-ea"/>
-                <a:cs typeface="+mj-cs"/>
-              </a:defRPr>
-            </a:lvl1pPr>
-          </a:lstStyle>
-          <a:p>
-            <a:r>
-              <a:rPr lang="en-US" altLang="ja-JP" sz="3200" b="1" dirty="0">
-                <a:latin typeface="Arial" panose="020B0604020202020204" pitchFamily="34" charset="0"/>
-                <a:ea typeface="Arial" charset="0"/>
-                <a:cs typeface="Arial" panose="020B0604020202020204" pitchFamily="34" charset="0"/>
-              </a:rPr>
-              <a:t>Input 1: SNV/INDEL Evaluation </a:t>
-            </a:r>
-          </a:p>
-          <a:p>
-            <a:r>
-              <a:rPr lang="en-US" altLang="ja-JP" sz="3200" b="1" dirty="0">
-                <a:latin typeface="Arial" panose="020B0604020202020204" pitchFamily="34" charset="0"/>
-                <a:ea typeface="Arial" charset="0"/>
-                <a:cs typeface="Arial" panose="020B0604020202020204" pitchFamily="34" charset="0"/>
-              </a:rPr>
-              <a:t>from Annotated VCF</a:t>
-            </a:r>
-            <a:endParaRPr lang="ja-JP" altLang="en-US" sz="3200" b="1" dirty="0">
-              <a:latin typeface="Arial" panose="020B0604020202020204" pitchFamily="34" charset="0"/>
-              <a:ea typeface="Arial" charset="0"/>
-              <a:cs typeface="Arial" panose="020B0604020202020204" pitchFamily="34" charset="0"/>
-            </a:endParaRPr>
-          </a:p>
-        </p:txBody>
-      </p:sp>
     </p:spTree>
     <p:extLst>
       <p:ext uri="{BB962C8B-B14F-4D97-AF65-F5344CB8AC3E}">
@@ -10110,65 +10047,6 @@
       </p:sp>
       <p:sp>
         <p:nvSpPr>
-          <p:cNvPr id="52" name="タイトル 1"/>
-          <p:cNvSpPr txBox="1">
-            <a:spLocks/>
-          </p:cNvSpPr>
-          <p:nvPr/>
-        </p:nvSpPr>
-        <p:spPr>
-          <a:xfrm>
-            <a:off x="457200" y="0"/>
-            <a:ext cx="8229600" cy="1113747"/>
-          </a:xfrm>
-          <a:prstGeom prst="rect">
-            <a:avLst/>
-          </a:prstGeom>
-        </p:spPr>
-        <p:txBody>
-          <a:bodyPr/>
-          <a:lstStyle>
-            <a:lvl1pPr algn="ctr" defTabSz="457200" rtl="0" eaLnBrk="1" latinLnBrk="0" hangingPunct="1">
-              <a:spcBef>
-                <a:spcPct val="0"/>
-              </a:spcBef>
-              <a:buNone/>
-              <a:defRPr kumimoji="1" sz="4400" kern="1200">
-                <a:solidFill>
-                  <a:schemeClr val="tx1"/>
-                </a:solidFill>
-                <a:latin typeface="+mj-lt"/>
-                <a:ea typeface="+mj-ea"/>
-                <a:cs typeface="+mj-cs"/>
-              </a:defRPr>
-            </a:lvl1pPr>
-          </a:lstStyle>
-          <a:p>
-            <a:r>
-              <a:rPr lang="en-US" altLang="ja-JP" sz="3200" b="1" dirty="0">
-                <a:latin typeface="Arial" panose="020B0604020202020204" pitchFamily="34" charset="0"/>
-                <a:ea typeface="Arial" charset="0"/>
-                <a:cs typeface="Arial" panose="020B0604020202020204" pitchFamily="34" charset="0"/>
-              </a:rPr>
-              <a:t>Input 2: Structural Variant Evaluation from Annotated VCF (BND format)</a:t>
-            </a:r>
-            <a:endParaRPr lang="ja-JP" altLang="en-US" sz="3200" b="1">
-              <a:latin typeface="Arial" panose="020B0604020202020204" pitchFamily="34" charset="0"/>
-              <a:ea typeface="Arial" charset="0"/>
-              <a:cs typeface="Arial" panose="020B0604020202020204" pitchFamily="34" charset="0"/>
-            </a:endParaRPr>
-          </a:p>
-          <a:p>
-            <a:endParaRPr lang="ja-JP" altLang="en-US" sz="3200" b="1" dirty="0">
-              <a:latin typeface="Arial" panose="020B0604020202020204" pitchFamily="34" charset="0"/>
-              <a:ea typeface="Arial" charset="0"/>
-              <a:cs typeface="Arial" panose="020B0604020202020204" pitchFamily="34" charset="0"/>
-            </a:endParaRPr>
-          </a:p>
-        </p:txBody>
-      </p:sp>
-      <p:sp>
-        <p:nvSpPr>
           <p:cNvPr id="25" name="左中かっこ 24"/>
           <p:cNvSpPr/>
           <p:nvPr/>
@@ -14216,64 +14094,6 @@
           </a:p>
         </p:txBody>
       </p:sp>
-      <p:sp>
-        <p:nvSpPr>
-          <p:cNvPr id="74" name="タイトル 1">
-            <a:extLst>
-              <a:ext uri="{FF2B5EF4-FFF2-40B4-BE49-F238E27FC236}">
-                <a16:creationId xmlns:a16="http://schemas.microsoft.com/office/drawing/2014/main" id="{926B9B0C-048F-D345-9DD4-B18434D7C0B7}"/>
-              </a:ext>
-            </a:extLst>
-          </p:cNvPr>
-          <p:cNvSpPr txBox="1">
-            <a:spLocks/>
-          </p:cNvSpPr>
-          <p:nvPr/>
-        </p:nvSpPr>
-        <p:spPr>
-          <a:xfrm>
-            <a:off x="457200" y="0"/>
-            <a:ext cx="8229600" cy="1113747"/>
-          </a:xfrm>
-          <a:prstGeom prst="rect">
-            <a:avLst/>
-          </a:prstGeom>
-        </p:spPr>
-        <p:txBody>
-          <a:bodyPr/>
-          <a:lstStyle>
-            <a:lvl1pPr algn="ctr" defTabSz="457200" rtl="0" eaLnBrk="1" latinLnBrk="0" hangingPunct="1">
-              <a:spcBef>
-                <a:spcPct val="0"/>
-              </a:spcBef>
-              <a:buNone/>
-              <a:defRPr kumimoji="1" sz="4400" kern="1200">
-                <a:solidFill>
-                  <a:schemeClr val="tx1"/>
-                </a:solidFill>
-                <a:latin typeface="+mj-lt"/>
-                <a:ea typeface="+mj-ea"/>
-                <a:cs typeface="+mj-cs"/>
-              </a:defRPr>
-            </a:lvl1pPr>
-          </a:lstStyle>
-          <a:p>
-            <a:r>
-              <a:rPr lang="en-US" altLang="ja-JP" sz="3200" b="1" dirty="0">
-                <a:latin typeface="Arial" panose="020B0604020202020204" pitchFamily="34" charset="0"/>
-                <a:ea typeface="Arial" charset="0"/>
-                <a:cs typeface="Arial" panose="020B0604020202020204" pitchFamily="34" charset="0"/>
-              </a:rPr>
-              <a:t>Input 3: RNA Sequence Evaluation</a:t>
-            </a:r>
-            <a:endParaRPr lang="ja-JP" altLang="en-US" sz="3200" b="1" dirty="0">
-              <a:latin typeface="Arial" panose="020B0604020202020204" pitchFamily="34" charset="0"/>
-              <a:ea typeface="Arial" charset="0"/>
-              <a:cs typeface="Arial" panose="020B0604020202020204" pitchFamily="34" charset="0"/>
-            </a:endParaRPr>
-          </a:p>
-        </p:txBody>
-      </p:sp>
     </p:spTree>
     <p:extLst>
       <p:ext uri="{BB962C8B-B14F-4D97-AF65-F5344CB8AC3E}">
@@ -14781,58 +14601,6 @@
           </a:p>
         </p:txBody>
       </p:sp>
-      <p:sp>
-        <p:nvSpPr>
-          <p:cNvPr id="36" name="タイトル 1"/>
-          <p:cNvSpPr txBox="1">
-            <a:spLocks/>
-          </p:cNvSpPr>
-          <p:nvPr/>
-        </p:nvSpPr>
-        <p:spPr>
-          <a:xfrm>
-            <a:off x="457200" y="256135"/>
-            <a:ext cx="8229600" cy="685885"/>
-          </a:xfrm>
-          <a:prstGeom prst="rect">
-            <a:avLst/>
-          </a:prstGeom>
-        </p:spPr>
-        <p:txBody>
-          <a:bodyPr/>
-          <a:lstStyle>
-            <a:lvl1pPr algn="ctr" defTabSz="457200" rtl="0" eaLnBrk="1" latinLnBrk="0" hangingPunct="1">
-              <a:spcBef>
-                <a:spcPct val="0"/>
-              </a:spcBef>
-              <a:buNone/>
-              <a:defRPr kumimoji="1" sz="4400" kern="1200">
-                <a:solidFill>
-                  <a:schemeClr val="tx1"/>
-                </a:solidFill>
-                <a:latin typeface="+mj-lt"/>
-                <a:ea typeface="+mj-ea"/>
-                <a:cs typeface="+mj-cs"/>
-              </a:defRPr>
-            </a:lvl1pPr>
-          </a:lstStyle>
-          <a:p>
-            <a:r>
-              <a:rPr lang="en-US" altLang="ja-JP" sz="3200" b="1" dirty="0">
-                <a:latin typeface="Arial" panose="020B0604020202020204" pitchFamily="34" charset="0"/>
-                <a:ea typeface="Arial" charset="0"/>
-                <a:cs typeface="Arial" panose="020B0604020202020204" pitchFamily="34" charset="0"/>
-              </a:rPr>
-              <a:t>Attach Optional Information</a:t>
-            </a:r>
-            <a:endParaRPr lang="ja-JP" altLang="en-US" sz="3200" b="1" dirty="0">
-              <a:latin typeface="Arial" panose="020B0604020202020204" pitchFamily="34" charset="0"/>
-              <a:ea typeface="Arial" charset="0"/>
-              <a:cs typeface="Arial" panose="020B0604020202020204" pitchFamily="34" charset="0"/>
-            </a:endParaRPr>
-          </a:p>
-        </p:txBody>
-      </p:sp>
       <p:cxnSp>
         <p:nvCxnSpPr>
           <p:cNvPr id="43" name="直線矢印コネクタ 42"/>
@@ -18129,53 +17897,6 @@
               <a:latin typeface="Arial" panose="020B0604020202020204" pitchFamily="34" charset="0"/>
               <a:cs typeface="Arial" panose="020B0604020202020204" pitchFamily="34" charset="0"/>
             </a:endParaRPr>
-          </a:p>
-        </p:txBody>
-      </p:sp>
-      <p:sp>
-        <p:nvSpPr>
-          <p:cNvPr id="64" name="タイトル 1"/>
-          <p:cNvSpPr txBox="1">
-            <a:spLocks/>
-          </p:cNvSpPr>
-          <p:nvPr/>
-        </p:nvSpPr>
-        <p:spPr>
-          <a:xfrm>
-            <a:off x="457200" y="256135"/>
-            <a:ext cx="8229600" cy="685885"/>
-          </a:xfrm>
-          <a:prstGeom prst="rect">
-            <a:avLst/>
-          </a:prstGeom>
-        </p:spPr>
-        <p:txBody>
-          <a:bodyPr/>
-          <a:lstStyle>
-            <a:lvl1pPr algn="ctr" defTabSz="457200" rtl="0" eaLnBrk="1" latinLnBrk="0" hangingPunct="1">
-              <a:spcBef>
-                <a:spcPct val="0"/>
-              </a:spcBef>
-              <a:buNone/>
-              <a:defRPr kumimoji="1" sz="4400" kern="1200">
-                <a:solidFill>
-                  <a:schemeClr val="tx1"/>
-                </a:solidFill>
-                <a:latin typeface="+mj-lt"/>
-                <a:ea typeface="+mj-ea"/>
-                <a:cs typeface="+mj-cs"/>
-              </a:defRPr>
-            </a:lvl1pPr>
-          </a:lstStyle>
-          <a:p>
-            <a:r>
-              <a:rPr lang="en-US" altLang="ja-JP" sz="3200" b="1" dirty="0">
-                <a:latin typeface="Arial" panose="020B0604020202020204" pitchFamily="34" charset="0"/>
-                <a:ea typeface="Arial" charset="0"/>
-                <a:cs typeface="Arial" panose="020B0604020202020204" pitchFamily="34" charset="0"/>
-              </a:rPr>
-              <a:t>Process to Predict Neoantigen</a:t>
-            </a:r>
           </a:p>
         </p:txBody>
       </p:sp>
